--- a/Final Presentation/Carla/Quality.pptx
+++ b/Final Presentation/Carla/Quality.pptx
@@ -13,6 +13,7 @@
     <p:sldId id="260" r:id="rId7"/>
     <p:sldId id="264" r:id="rId8"/>
     <p:sldId id="263" r:id="rId9"/>
+    <p:sldId id="265" r:id="rId10"/>
   </p:sldIdLst>
   <p:sldSz cx="9144000" cy="6858000" type="screen4x3"/>
   <p:notesSz cx="6858000" cy="9144000"/>
@@ -116,6 +117,7 @@
 
 <file path=ppt/charts/chart1.xml><?xml version="1.0" encoding="utf-8"?>
 <c:chartSpace xmlns:c="http://schemas.openxmlformats.org/drawingml/2006/chart" xmlns:a="http://schemas.openxmlformats.org/drawingml/2006/main" xmlns:r="http://schemas.openxmlformats.org/officeDocument/2006/relationships">
+  <c:date1904 val="1"/>
   <c:lang val="pt-PT"/>
   <c:style val="34"/>
   <c:chart>
@@ -144,9 +146,9 @@
           <c:xMode val="edge"/>
           <c:yMode val="edge"/>
           <c:x val="1.837493717540626E-2"/>
-          <c:y val="0.11685429321334834"/>
+          <c:y val="0.11685429321334835"/>
           <c:w val="0.9687301563126659"/>
-          <c:h val="0.74789651293588388"/>
+          <c:h val="0.74789651293588411"/>
         </c:manualLayout>
       </c:layout>
       <c:ofPieChart>
@@ -227,10 +229,10 @@
         <c:manualLayout>
           <c:xMode val="edge"/>
           <c:yMode val="edge"/>
-          <c:x val="0.1043707640993618"/>
-          <c:y val="0.89422182227221603"/>
+          <c:x val="0.10437076409936179"/>
+          <c:y val="0.89422182227221614"/>
           <c:w val="0.84181970483863588"/>
-          <c:h val="6.8887289088863893E-2"/>
+          <c:h val="6.8887289088863907E-2"/>
         </c:manualLayout>
       </c:layout>
     </c:legend>
@@ -422,7 +424,7 @@
             <a:fld id="{5D9BF9FF-C670-447D-939D-EF4346794650}" type="datetimeFigureOut">
               <a:rPr lang="pt-PT" smtClean="0"/>
               <a:pPr/>
-              <a:t>24-06-2013</a:t>
+              <a:t>27-06-2013</a:t>
             </a:fld>
             <a:endParaRPr lang="pt-PT"/>
           </a:p>
@@ -589,7 +591,7 @@
             <a:fld id="{5D9BF9FF-C670-447D-939D-EF4346794650}" type="datetimeFigureOut">
               <a:rPr lang="pt-PT" smtClean="0"/>
               <a:pPr/>
-              <a:t>24-06-2013</a:t>
+              <a:t>27-06-2013</a:t>
             </a:fld>
             <a:endParaRPr lang="pt-PT"/>
           </a:p>
@@ -766,7 +768,7 @@
             <a:fld id="{5D9BF9FF-C670-447D-939D-EF4346794650}" type="datetimeFigureOut">
               <a:rPr lang="pt-PT" smtClean="0"/>
               <a:pPr/>
-              <a:t>24-06-2013</a:t>
+              <a:t>27-06-2013</a:t>
             </a:fld>
             <a:endParaRPr lang="pt-PT"/>
           </a:p>
@@ -933,7 +935,7 @@
             <a:fld id="{5D9BF9FF-C670-447D-939D-EF4346794650}" type="datetimeFigureOut">
               <a:rPr lang="pt-PT" smtClean="0"/>
               <a:pPr/>
-              <a:t>24-06-2013</a:t>
+              <a:t>27-06-2013</a:t>
             </a:fld>
             <a:endParaRPr lang="pt-PT"/>
           </a:p>
@@ -1176,7 +1178,7 @@
             <a:fld id="{5D9BF9FF-C670-447D-939D-EF4346794650}" type="datetimeFigureOut">
               <a:rPr lang="pt-PT" smtClean="0"/>
               <a:pPr/>
-              <a:t>24-06-2013</a:t>
+              <a:t>27-06-2013</a:t>
             </a:fld>
             <a:endParaRPr lang="pt-PT"/>
           </a:p>
@@ -1461,7 +1463,7 @@
             <a:fld id="{5D9BF9FF-C670-447D-939D-EF4346794650}" type="datetimeFigureOut">
               <a:rPr lang="pt-PT" smtClean="0"/>
               <a:pPr/>
-              <a:t>24-06-2013</a:t>
+              <a:t>27-06-2013</a:t>
             </a:fld>
             <a:endParaRPr lang="pt-PT"/>
           </a:p>
@@ -1880,7 +1882,7 @@
             <a:fld id="{5D9BF9FF-C670-447D-939D-EF4346794650}" type="datetimeFigureOut">
               <a:rPr lang="pt-PT" smtClean="0"/>
               <a:pPr/>
-              <a:t>24-06-2013</a:t>
+              <a:t>27-06-2013</a:t>
             </a:fld>
             <a:endParaRPr lang="pt-PT"/>
           </a:p>
@@ -1995,7 +1997,7 @@
             <a:fld id="{5D9BF9FF-C670-447D-939D-EF4346794650}" type="datetimeFigureOut">
               <a:rPr lang="pt-PT" smtClean="0"/>
               <a:pPr/>
-              <a:t>24-06-2013</a:t>
+              <a:t>27-06-2013</a:t>
             </a:fld>
             <a:endParaRPr lang="pt-PT"/>
           </a:p>
@@ -2087,7 +2089,7 @@
             <a:fld id="{5D9BF9FF-C670-447D-939D-EF4346794650}" type="datetimeFigureOut">
               <a:rPr lang="pt-PT" smtClean="0"/>
               <a:pPr/>
-              <a:t>24-06-2013</a:t>
+              <a:t>27-06-2013</a:t>
             </a:fld>
             <a:endParaRPr lang="pt-PT"/>
           </a:p>
@@ -2361,7 +2363,7 @@
             <a:fld id="{5D9BF9FF-C670-447D-939D-EF4346794650}" type="datetimeFigureOut">
               <a:rPr lang="pt-PT" smtClean="0"/>
               <a:pPr/>
-              <a:t>24-06-2013</a:t>
+              <a:t>27-06-2013</a:t>
             </a:fld>
             <a:endParaRPr lang="pt-PT"/>
           </a:p>
@@ -2611,7 +2613,7 @@
             <a:fld id="{5D9BF9FF-C670-447D-939D-EF4346794650}" type="datetimeFigureOut">
               <a:rPr lang="pt-PT" smtClean="0"/>
               <a:pPr/>
-              <a:t>24-06-2013</a:t>
+              <a:t>27-06-2013</a:t>
             </a:fld>
             <a:endParaRPr lang="pt-PT"/>
           </a:p>
@@ -2821,7 +2823,7 @@
             <a:fld id="{5D9BF9FF-C670-447D-939D-EF4346794650}" type="datetimeFigureOut">
               <a:rPr lang="pt-PT" smtClean="0"/>
               <a:pPr/>
-              <a:t>24-06-2013</a:t>
+              <a:t>27-06-2013</a:t>
             </a:fld>
             <a:endParaRPr lang="pt-PT"/>
           </a:p>
@@ -3291,7 +3293,7 @@
         <p:spPr/>
         <p:txBody>
           <a:bodyPr>
-            <a:normAutofit lnSpcReduction="10000"/>
+            <a:normAutofit fontScale="92500" lnSpcReduction="20000"/>
           </a:bodyPr>
           <a:lstStyle/>
           <a:p>
@@ -3311,11 +3313,7 @@
             <a:pPr lvl="2"/>
             <a:r>
               <a:rPr lang="en-US" dirty="0" smtClean="0"/>
-              <a:t>Not </a:t>
-            </a:r>
-            <a:r>
-              <a:rPr lang="en-US" dirty="0" smtClean="0"/>
-              <a:t>following correctly the hierarchy for the different roles</a:t>
+              <a:t>Not following correctly the hierarchy for the different roles</a:t>
             </a:r>
           </a:p>
           <a:p>
@@ -3332,18 +3330,32 @@
           <a:p>
             <a:r>
               <a:rPr lang="en-US" dirty="0" smtClean="0"/>
-              <a:t>Project Assessment and Control </a:t>
-            </a:r>
-            <a:r>
-              <a:rPr lang="en-US" dirty="0" smtClean="0"/>
-              <a:t>Process</a:t>
+              <a:t>Project Assessment and Control Process</a:t>
             </a:r>
           </a:p>
           <a:p>
             <a:pPr lvl="1"/>
             <a:r>
               <a:rPr lang="en-US" dirty="0" smtClean="0"/>
-              <a:t>Project and risk control weren’t very accurate</a:t>
+              <a:t>Project and risk control weren’t very </a:t>
+            </a:r>
+            <a:r>
+              <a:rPr lang="en-US" dirty="0" smtClean="0"/>
+              <a:t>accurate</a:t>
+            </a:r>
+          </a:p>
+          <a:p>
+            <a:pPr lvl="2"/>
+            <a:r>
+              <a:rPr lang="en-US" dirty="0" smtClean="0"/>
+              <a:t>Process wasn’t always exactly followed</a:t>
+            </a:r>
+          </a:p>
+          <a:p>
+            <a:pPr lvl="2"/>
+            <a:r>
+              <a:rPr lang="en-US" dirty="0" smtClean="0"/>
+              <a:t>Problems with some of the used tools</a:t>
             </a:r>
             <a:endParaRPr lang="en-US" dirty="0" smtClean="0"/>
           </a:p>
@@ -3658,18 +3670,25 @@
             <a:pPr lvl="1"/>
             <a:r>
               <a:rPr lang="en-US" dirty="0" smtClean="0"/>
-              <a:t>Process measures weren’t always recorded or updated </a:t>
-            </a:r>
-            <a:r>
-              <a:rPr lang="en-US" dirty="0" smtClean="0"/>
-              <a:t>timely</a:t>
+              <a:t>Process measures weren’t always recorded or updated timely</a:t>
             </a:r>
           </a:p>
           <a:p>
             <a:pPr lvl="1"/>
             <a:r>
               <a:rPr lang="en-US" dirty="0" smtClean="0"/>
-              <a:t>The processes weren’t always exactly followed as defined</a:t>
+              <a:t>The processes weren’t always exactly followed as </a:t>
+            </a:r>
+            <a:r>
+              <a:rPr lang="en-US" dirty="0" smtClean="0"/>
+              <a:t>defined</a:t>
+            </a:r>
+          </a:p>
+          <a:p>
+            <a:pPr lvl="1"/>
+            <a:r>
+              <a:rPr lang="en-US" dirty="0" smtClean="0"/>
+              <a:t>Some processes were overcomplicated for the team and project needs</a:t>
             </a:r>
             <a:endParaRPr lang="en-US" dirty="0" smtClean="0"/>
           </a:p>
@@ -3721,11 +3740,7 @@
           <a:p>
             <a:r>
               <a:rPr lang="en-US" dirty="0" smtClean="0"/>
-              <a:t>Quality </a:t>
-            </a:r>
-            <a:r>
-              <a:rPr lang="en-US" dirty="0" smtClean="0"/>
-              <a:t>Activities</a:t>
+              <a:t>Quality Activities</a:t>
             </a:r>
             <a:endParaRPr lang="en-US" dirty="0"/>
           </a:p>
@@ -3786,7 +3801,6 @@
               <a:rPr lang="en-US" dirty="0" smtClean="0"/>
               <a:t>Processes were followed</a:t>
             </a:r>
-            <a:endParaRPr lang="en-US" dirty="0" smtClean="0"/>
           </a:p>
           <a:p>
             <a:r>
@@ -3876,8 +3890,8 @@
           </p:nvPr>
         </p:nvGraphicFramePr>
         <p:xfrm>
-          <a:off x="467544" y="2852936"/>
-          <a:ext cx="2170584" cy="1854200"/>
+          <a:off x="251520" y="2708920"/>
+          <a:ext cx="2386608" cy="2070225"/>
         </p:xfrm>
         <a:graphic>
           <a:graphicData uri="http://schemas.openxmlformats.org/drawingml/2006/table">
@@ -3886,10 +3900,10 @@
                 <a:tableStyleId>{5C22544A-7EE6-4342-B048-85BDC9FD1C3A}</a:tableStyleId>
               </a:tblPr>
               <a:tblGrid>
-                <a:gridCol w="1090464"/>
-                <a:gridCol w="1080120"/>
+                <a:gridCol w="1198991"/>
+                <a:gridCol w="1187617"/>
               </a:tblGrid>
-              <a:tr h="370840">
+              <a:tr h="414045">
                 <a:tc>
                   <a:txBody>
                     <a:bodyPr/>
@@ -3941,7 +3955,7 @@
                   <a:tcPr marL="0" marR="0" marT="0" marB="0" anchor="b"/>
                 </a:tc>
               </a:tr>
-              <a:tr h="370840">
+              <a:tr h="414045">
                 <a:tc>
                   <a:txBody>
                     <a:bodyPr/>
@@ -3987,7 +4001,7 @@
                   <a:tcPr marL="0" marR="0" marT="0" marB="0" anchor="b"/>
                 </a:tc>
               </a:tr>
-              <a:tr h="370840">
+              <a:tr h="414045">
                 <a:tc>
                   <a:txBody>
                     <a:bodyPr/>
@@ -4033,7 +4047,7 @@
                   <a:tcPr marL="0" marR="0" marT="0" marB="0" anchor="b"/>
                 </a:tc>
               </a:tr>
-              <a:tr h="370840">
+              <a:tr h="414045">
                 <a:tc>
                   <a:txBody>
                     <a:bodyPr/>
@@ -4079,7 +4093,7 @@
                   <a:tcPr marL="0" marR="0" marT="0" marB="0" anchor="b"/>
                 </a:tc>
               </a:tr>
-              <a:tr h="370840">
+              <a:tr h="414045">
                 <a:tc>
                   <a:txBody>
                     <a:bodyPr/>
@@ -4136,8 +4150,8 @@
           <p:nvPr/>
         </p:nvGraphicFramePr>
         <p:xfrm>
-          <a:off x="2843808" y="1700808"/>
-          <a:ext cx="5976664" cy="4248472"/>
+          <a:off x="2699792" y="1484784"/>
+          <a:ext cx="6264696" cy="4464496"/>
         </p:xfrm>
         <a:graphic>
           <a:graphicData uri="http://schemas.openxmlformats.org/drawingml/2006/chart">
@@ -4231,6 +4245,150 @@
       </p:par>
     </p:tnLst>
   </p:timing>
+</p:sld>
+</file>
+
+<file path=ppt/slides/slide9.xml><?xml version="1.0" encoding="utf-8"?>
+<p:sld xmlns:a="http://schemas.openxmlformats.org/drawingml/2006/main" xmlns:r="http://schemas.openxmlformats.org/officeDocument/2006/relationships" xmlns:p="http://schemas.openxmlformats.org/presentationml/2006/main">
+  <p:cSld>
+    <p:spTree>
+      <p:nvGrpSpPr>
+        <p:cNvPr id="1" name=""/>
+        <p:cNvGrpSpPr/>
+        <p:nvPr/>
+      </p:nvGrpSpPr>
+      <p:grpSpPr>
+        <a:xfrm>
+          <a:off x="0" y="0"/>
+          <a:ext cx="0" cy="0"/>
+          <a:chOff x="0" y="0"/>
+          <a:chExt cx="0" cy="0"/>
+        </a:xfrm>
+      </p:grpSpPr>
+      <p:sp>
+        <p:nvSpPr>
+          <p:cNvPr id="2" name="Título 1"/>
+          <p:cNvSpPr>
+            <a:spLocks noGrp="1"/>
+          </p:cNvSpPr>
+          <p:nvPr>
+            <p:ph type="title"/>
+          </p:nvPr>
+        </p:nvSpPr>
+        <p:spPr/>
+        <p:txBody>
+          <a:bodyPr/>
+          <a:lstStyle/>
+          <a:p>
+            <a:r>
+              <a:rPr lang="pt-PT" dirty="0" smtClean="0"/>
+              <a:t>Carla Machado</a:t>
+            </a:r>
+            <a:endParaRPr lang="pt-PT" dirty="0"/>
+          </a:p>
+        </p:txBody>
+      </p:sp>
+      <p:sp>
+        <p:nvSpPr>
+          <p:cNvPr id="3" name="Marcador de Posição de Conteúdo 2"/>
+          <p:cNvSpPr>
+            <a:spLocks noGrp="1"/>
+          </p:cNvSpPr>
+          <p:nvPr>
+            <p:ph idx="1"/>
+          </p:nvPr>
+        </p:nvSpPr>
+        <p:spPr/>
+        <p:txBody>
+          <a:bodyPr>
+            <a:normAutofit fontScale="92500" lnSpcReduction="20000"/>
+          </a:bodyPr>
+          <a:lstStyle/>
+          <a:p>
+            <a:r>
+              <a:rPr lang="en-US" dirty="0" smtClean="0"/>
+              <a:t>Main contributions</a:t>
+            </a:r>
+          </a:p>
+          <a:p>
+            <a:pPr lvl="1"/>
+            <a:r>
+              <a:rPr lang="en-US" dirty="0" smtClean="0"/>
+              <a:t>English revisions</a:t>
+            </a:r>
+          </a:p>
+          <a:p>
+            <a:pPr lvl="1"/>
+            <a:r>
+              <a:rPr lang="en-US" dirty="0" smtClean="0"/>
+              <a:t>Enterprise Architect knowledge</a:t>
+            </a:r>
+          </a:p>
+          <a:p>
+            <a:r>
+              <a:rPr lang="en-US" dirty="0" smtClean="0"/>
+              <a:t>Participation analysis</a:t>
+            </a:r>
+          </a:p>
+          <a:p>
+            <a:pPr lvl="1"/>
+            <a:r>
+              <a:rPr lang="en-US" dirty="0" smtClean="0"/>
+              <a:t>Positive</a:t>
+            </a:r>
+          </a:p>
+          <a:p>
+            <a:pPr lvl="1"/>
+            <a:r>
+              <a:rPr lang="en-US" dirty="0" smtClean="0"/>
+              <a:t>Work done, availability to help and overwork when </a:t>
+            </a:r>
+            <a:r>
+              <a:rPr lang="en-US" dirty="0" smtClean="0"/>
+              <a:t>required</a:t>
+            </a:r>
+          </a:p>
+          <a:p>
+            <a:r>
+              <a:rPr lang="en-US" dirty="0" smtClean="0"/>
+              <a:t>Lessons Learned</a:t>
+            </a:r>
+          </a:p>
+          <a:p>
+            <a:pPr lvl="1"/>
+            <a:r>
+              <a:rPr lang="en-US" dirty="0" smtClean="0"/>
+              <a:t>Organization</a:t>
+            </a:r>
+          </a:p>
+          <a:p>
+            <a:pPr lvl="1"/>
+            <a:r>
+              <a:rPr lang="en-US" dirty="0" smtClean="0"/>
+              <a:t>Equal commitment of all members</a:t>
+            </a:r>
+          </a:p>
+          <a:p>
+            <a:pPr lvl="1"/>
+            <a:r>
+              <a:rPr lang="en-US" dirty="0" smtClean="0"/>
+              <a:t>Working together and regular meetings</a:t>
+            </a:r>
+          </a:p>
+          <a:p>
+            <a:pPr lvl="1"/>
+            <a:endParaRPr lang="en-US" dirty="0" smtClean="0"/>
+          </a:p>
+          <a:p>
+            <a:endParaRPr lang="pt-PT" dirty="0"/>
+          </a:p>
+        </p:txBody>
+      </p:sp>
+    </p:spTree>
+  </p:cSld>
+  <p:clrMapOvr>
+    <a:masterClrMapping/>
+  </p:clrMapOvr>
 </p:sld>
 </file>
 

--- a/Final Presentation/Carla/Quality.pptx
+++ b/Final Presentation/Carla/Quality.pptx
@@ -146,9 +146,9 @@
           <c:xMode val="edge"/>
           <c:yMode val="edge"/>
           <c:x val="1.837493717540626E-2"/>
-          <c:y val="0.11685429321334835"/>
+          <c:y val="0.11685429321334836"/>
           <c:w val="0.9687301563126659"/>
-          <c:h val="0.74789651293588411"/>
+          <c:h val="0.74789651293588433"/>
         </c:manualLayout>
       </c:layout>
       <c:ofPieChart>
@@ -229,10 +229,10 @@
         <c:manualLayout>
           <c:xMode val="edge"/>
           <c:yMode val="edge"/>
-          <c:x val="0.10437076409936179"/>
-          <c:y val="0.89422182227221614"/>
+          <c:x val="0.10437076409936176"/>
+          <c:y val="0.89422182227221625"/>
           <c:w val="0.84181970483863588"/>
-          <c:h val="6.8887289088863907E-2"/>
+          <c:h val="6.8887289088863921E-2"/>
         </c:manualLayout>
       </c:layout>
     </c:legend>
@@ -3337,11 +3337,7 @@
             <a:pPr lvl="1"/>
             <a:r>
               <a:rPr lang="en-US" dirty="0" smtClean="0"/>
-              <a:t>Project and risk control weren’t very </a:t>
-            </a:r>
-            <a:r>
-              <a:rPr lang="en-US" dirty="0" smtClean="0"/>
-              <a:t>accurate</a:t>
+              <a:t>Project and risk control weren’t very accurate</a:t>
             </a:r>
           </a:p>
           <a:p>
@@ -3357,7 +3353,6 @@
               <a:rPr lang="en-US" dirty="0" smtClean="0"/>
               <a:t>Problems with some of the used tools</a:t>
             </a:r>
-            <a:endParaRPr lang="en-US" dirty="0" smtClean="0"/>
           </a:p>
           <a:p>
             <a:pPr lvl="1"/>
@@ -3544,7 +3539,9 @@
         </p:nvSpPr>
         <p:spPr/>
         <p:txBody>
-          <a:bodyPr/>
+          <a:bodyPr>
+            <a:normAutofit lnSpcReduction="10000"/>
+          </a:bodyPr>
           <a:lstStyle/>
           <a:p>
             <a:r>
@@ -3583,8 +3580,20 @@
             <a:pPr lvl="2"/>
             <a:r>
               <a:rPr lang="en-US" dirty="0" smtClean="0"/>
-              <a:t>How to report defects not associated with tests</a:t>
-            </a:r>
+              <a:t>How to report defects not associated with </a:t>
+            </a:r>
+            <a:r>
+              <a:rPr lang="en-US" dirty="0" smtClean="0"/>
+              <a:t>tests</a:t>
+            </a:r>
+          </a:p>
+          <a:p>
+            <a:pPr lvl="1"/>
+            <a:r>
+              <a:rPr lang="en-US" dirty="0" smtClean="0"/>
+              <a:t>What to do in cases of reopen</a:t>
+            </a:r>
+            <a:endParaRPr lang="en-US" dirty="0" smtClean="0"/>
           </a:p>
           <a:p>
             <a:pPr lvl="1"/>
@@ -3677,11 +3686,7 @@
             <a:pPr lvl="1"/>
             <a:r>
               <a:rPr lang="en-US" dirty="0" smtClean="0"/>
-              <a:t>The processes weren’t always exactly followed as </a:t>
-            </a:r>
-            <a:r>
-              <a:rPr lang="en-US" dirty="0" smtClean="0"/>
-              <a:t>defined</a:t>
+              <a:t>The processes weren’t always exactly followed as defined</a:t>
             </a:r>
           </a:p>
           <a:p>
@@ -3690,7 +3695,6 @@
               <a:rPr lang="en-US" dirty="0" smtClean="0"/>
               <a:t>Some processes were overcomplicated for the team and project needs</a:t>
             </a:r>
-            <a:endParaRPr lang="en-US" dirty="0" smtClean="0"/>
           </a:p>
           <a:p>
             <a:pPr lvl="1"/>
@@ -4341,11 +4345,7 @@
             <a:pPr lvl="1"/>
             <a:r>
               <a:rPr lang="en-US" dirty="0" smtClean="0"/>
-              <a:t>Work done, availability to help and overwork when </a:t>
-            </a:r>
-            <a:r>
-              <a:rPr lang="en-US" dirty="0" smtClean="0"/>
-              <a:t>required</a:t>
+              <a:t>Work done, availability to help and overwork when required</a:t>
             </a:r>
           </a:p>
           <a:p>

--- a/Final Presentation/Carla/Quality.pptx
+++ b/Final Presentation/Carla/Quality.pptx
@@ -146,9 +146,9 @@
           <c:xMode val="edge"/>
           <c:yMode val="edge"/>
           <c:x val="1.837493717540626E-2"/>
-          <c:y val="0.11685429321334836"/>
+          <c:y val="0.11685429321334835"/>
           <c:w val="0.9687301563126659"/>
-          <c:h val="0.74789651293588433"/>
+          <c:h val="0.74789651293588455"/>
         </c:manualLayout>
       </c:layout>
       <c:ofPieChart>
@@ -229,7 +229,7 @@
         <c:manualLayout>
           <c:xMode val="edge"/>
           <c:yMode val="edge"/>
-          <c:x val="0.10437076409936176"/>
+          <c:x val="0.10437076409936173"/>
           <c:y val="0.89422182227221625"/>
           <c:w val="0.84181970483863588"/>
           <c:h val="6.8887289088863921E-2"/>
@@ -424,7 +424,7 @@
             <a:fld id="{5D9BF9FF-C670-447D-939D-EF4346794650}" type="datetimeFigureOut">
               <a:rPr lang="pt-PT" smtClean="0"/>
               <a:pPr/>
-              <a:t>27-06-2013</a:t>
+              <a:t>30-06-2013</a:t>
             </a:fld>
             <a:endParaRPr lang="pt-PT"/>
           </a:p>
@@ -591,7 +591,7 @@
             <a:fld id="{5D9BF9FF-C670-447D-939D-EF4346794650}" type="datetimeFigureOut">
               <a:rPr lang="pt-PT" smtClean="0"/>
               <a:pPr/>
-              <a:t>27-06-2013</a:t>
+              <a:t>30-06-2013</a:t>
             </a:fld>
             <a:endParaRPr lang="pt-PT"/>
           </a:p>
@@ -768,7 +768,7 @@
             <a:fld id="{5D9BF9FF-C670-447D-939D-EF4346794650}" type="datetimeFigureOut">
               <a:rPr lang="pt-PT" smtClean="0"/>
               <a:pPr/>
-              <a:t>27-06-2013</a:t>
+              <a:t>30-06-2013</a:t>
             </a:fld>
             <a:endParaRPr lang="pt-PT"/>
           </a:p>
@@ -935,7 +935,7 @@
             <a:fld id="{5D9BF9FF-C670-447D-939D-EF4346794650}" type="datetimeFigureOut">
               <a:rPr lang="pt-PT" smtClean="0"/>
               <a:pPr/>
-              <a:t>27-06-2013</a:t>
+              <a:t>30-06-2013</a:t>
             </a:fld>
             <a:endParaRPr lang="pt-PT"/>
           </a:p>
@@ -1178,7 +1178,7 @@
             <a:fld id="{5D9BF9FF-C670-447D-939D-EF4346794650}" type="datetimeFigureOut">
               <a:rPr lang="pt-PT" smtClean="0"/>
               <a:pPr/>
-              <a:t>27-06-2013</a:t>
+              <a:t>30-06-2013</a:t>
             </a:fld>
             <a:endParaRPr lang="pt-PT"/>
           </a:p>
@@ -1463,7 +1463,7 @@
             <a:fld id="{5D9BF9FF-C670-447D-939D-EF4346794650}" type="datetimeFigureOut">
               <a:rPr lang="pt-PT" smtClean="0"/>
               <a:pPr/>
-              <a:t>27-06-2013</a:t>
+              <a:t>30-06-2013</a:t>
             </a:fld>
             <a:endParaRPr lang="pt-PT"/>
           </a:p>
@@ -1882,7 +1882,7 @@
             <a:fld id="{5D9BF9FF-C670-447D-939D-EF4346794650}" type="datetimeFigureOut">
               <a:rPr lang="pt-PT" smtClean="0"/>
               <a:pPr/>
-              <a:t>27-06-2013</a:t>
+              <a:t>30-06-2013</a:t>
             </a:fld>
             <a:endParaRPr lang="pt-PT"/>
           </a:p>
@@ -1997,7 +1997,7 @@
             <a:fld id="{5D9BF9FF-C670-447D-939D-EF4346794650}" type="datetimeFigureOut">
               <a:rPr lang="pt-PT" smtClean="0"/>
               <a:pPr/>
-              <a:t>27-06-2013</a:t>
+              <a:t>30-06-2013</a:t>
             </a:fld>
             <a:endParaRPr lang="pt-PT"/>
           </a:p>
@@ -2089,7 +2089,7 @@
             <a:fld id="{5D9BF9FF-C670-447D-939D-EF4346794650}" type="datetimeFigureOut">
               <a:rPr lang="pt-PT" smtClean="0"/>
               <a:pPr/>
-              <a:t>27-06-2013</a:t>
+              <a:t>30-06-2013</a:t>
             </a:fld>
             <a:endParaRPr lang="pt-PT"/>
           </a:p>
@@ -2363,7 +2363,7 @@
             <a:fld id="{5D9BF9FF-C670-447D-939D-EF4346794650}" type="datetimeFigureOut">
               <a:rPr lang="pt-PT" smtClean="0"/>
               <a:pPr/>
-              <a:t>27-06-2013</a:t>
+              <a:t>30-06-2013</a:t>
             </a:fld>
             <a:endParaRPr lang="pt-PT"/>
           </a:p>
@@ -2613,7 +2613,7 @@
             <a:fld id="{5D9BF9FF-C670-447D-939D-EF4346794650}" type="datetimeFigureOut">
               <a:rPr lang="pt-PT" smtClean="0"/>
               <a:pPr/>
-              <a:t>27-06-2013</a:t>
+              <a:t>30-06-2013</a:t>
             </a:fld>
             <a:endParaRPr lang="pt-PT"/>
           </a:p>
@@ -2823,7 +2823,7 @@
             <a:fld id="{5D9BF9FF-C670-447D-939D-EF4346794650}" type="datetimeFigureOut">
               <a:rPr lang="pt-PT" smtClean="0"/>
               <a:pPr/>
-              <a:t>27-06-2013</a:t>
+              <a:t>30-06-2013</a:t>
             </a:fld>
             <a:endParaRPr lang="pt-PT"/>
           </a:p>
@@ -3580,11 +3580,7 @@
             <a:pPr lvl="2"/>
             <a:r>
               <a:rPr lang="en-US" dirty="0" smtClean="0"/>
-              <a:t>How to report defects not associated with </a:t>
-            </a:r>
-            <a:r>
-              <a:rPr lang="en-US" dirty="0" smtClean="0"/>
-              <a:t>tests</a:t>
+              <a:t>How to report defects not associated with tests</a:t>
             </a:r>
           </a:p>
           <a:p>
@@ -3593,7 +3589,6 @@
               <a:rPr lang="en-US" dirty="0" smtClean="0"/>
               <a:t>What to do in cases of reopen</a:t>
             </a:r>
-            <a:endParaRPr lang="en-US" dirty="0" smtClean="0"/>
           </a:p>
           <a:p>
             <a:pPr lvl="1"/>
@@ -4305,7 +4300,7 @@
         <p:spPr/>
         <p:txBody>
           <a:bodyPr>
-            <a:normAutofit fontScale="92500" lnSpcReduction="20000"/>
+            <a:normAutofit fontScale="77500" lnSpcReduction="20000"/>
           </a:bodyPr>
           <a:lstStyle/>
           <a:p>
@@ -4365,7 +4360,29 @@
             <a:pPr lvl="1"/>
             <a:r>
               <a:rPr lang="en-US" dirty="0" smtClean="0"/>
-              <a:t>Equal commitment of all members</a:t>
+              <a:t>Level of commitment</a:t>
+            </a:r>
+          </a:p>
+          <a:p>
+            <a:pPr lvl="2"/>
+            <a:r>
+              <a:rPr lang="en-US" dirty="0" smtClean="0"/>
+              <a:t> </a:t>
+            </a:r>
+            <a:r>
+              <a:rPr lang="en-US" dirty="0" smtClean="0"/>
+              <a:t>similar </a:t>
+            </a:r>
+            <a:r>
+              <a:rPr lang="en-US" dirty="0" smtClean="0"/>
+              <a:t>of all members </a:t>
+            </a:r>
+          </a:p>
+          <a:p>
+            <a:pPr lvl="2"/>
+            <a:r>
+              <a:rPr lang="en-US" dirty="0" smtClean="0"/>
+              <a:t>Maintain it throughout the project</a:t>
             </a:r>
           </a:p>
           <a:p>
